--- a/Moodle Resources/Presentation_and_Viva_powerpoint.pptx
+++ b/Moodle Resources/Presentation_and_Viva_powerpoint.pptx
@@ -214,7 +214,7 @@
             <a:fld id="{8CF6BA7D-A672-4B87-9F4C-C5A119E95A7B}" type="datetimeFigureOut">
               <a:rPr lang="en-US" smtClean="0"/>
               <a:pPr/>
-              <a:t>4/11/2018</a:t>
+              <a:t>4/13/2016</a:t>
             </a:fld>
             <a:endParaRPr lang="en-US"/>
           </a:p>
@@ -480,7 +480,7 @@
             <a:fld id="{CD2AE984-3368-4227-9815-B480C2FCBE17}" type="datetimeFigureOut">
               <a:rPr lang="en-US" smtClean="0"/>
               <a:pPr/>
-              <a:t>4/11/2018</a:t>
+              <a:t>4/13/2016</a:t>
             </a:fld>
             <a:endParaRPr lang="en-GB"/>
           </a:p>
@@ -647,7 +647,7 @@
             <a:fld id="{CD2AE984-3368-4227-9815-B480C2FCBE17}" type="datetimeFigureOut">
               <a:rPr lang="en-US" smtClean="0"/>
               <a:pPr/>
-              <a:t>4/11/2018</a:t>
+              <a:t>4/13/2016</a:t>
             </a:fld>
             <a:endParaRPr lang="en-GB"/>
           </a:p>
@@ -824,7 +824,7 @@
             <a:fld id="{CD2AE984-3368-4227-9815-B480C2FCBE17}" type="datetimeFigureOut">
               <a:rPr lang="en-US" smtClean="0"/>
               <a:pPr/>
-              <a:t>4/11/2018</a:t>
+              <a:t>4/13/2016</a:t>
             </a:fld>
             <a:endParaRPr lang="en-GB"/>
           </a:p>
@@ -991,7 +991,7 @@
             <a:fld id="{CD2AE984-3368-4227-9815-B480C2FCBE17}" type="datetimeFigureOut">
               <a:rPr lang="en-US" smtClean="0"/>
               <a:pPr/>
-              <a:t>4/11/2018</a:t>
+              <a:t>4/13/2016</a:t>
             </a:fld>
             <a:endParaRPr lang="en-GB"/>
           </a:p>
@@ -1234,7 +1234,7 @@
             <a:fld id="{CD2AE984-3368-4227-9815-B480C2FCBE17}" type="datetimeFigureOut">
               <a:rPr lang="en-US" smtClean="0"/>
               <a:pPr/>
-              <a:t>4/11/2018</a:t>
+              <a:t>4/13/2016</a:t>
             </a:fld>
             <a:endParaRPr lang="en-GB"/>
           </a:p>
@@ -1519,7 +1519,7 @@
             <a:fld id="{CD2AE984-3368-4227-9815-B480C2FCBE17}" type="datetimeFigureOut">
               <a:rPr lang="en-US" smtClean="0"/>
               <a:pPr/>
-              <a:t>4/11/2018</a:t>
+              <a:t>4/13/2016</a:t>
             </a:fld>
             <a:endParaRPr lang="en-GB"/>
           </a:p>
@@ -1938,7 +1938,7 @@
             <a:fld id="{CD2AE984-3368-4227-9815-B480C2FCBE17}" type="datetimeFigureOut">
               <a:rPr lang="en-US" smtClean="0"/>
               <a:pPr/>
-              <a:t>4/11/2018</a:t>
+              <a:t>4/13/2016</a:t>
             </a:fld>
             <a:endParaRPr lang="en-GB"/>
           </a:p>
@@ -2053,7 +2053,7 @@
             <a:fld id="{CD2AE984-3368-4227-9815-B480C2FCBE17}" type="datetimeFigureOut">
               <a:rPr lang="en-US" smtClean="0"/>
               <a:pPr/>
-              <a:t>4/11/2018</a:t>
+              <a:t>4/13/2016</a:t>
             </a:fld>
             <a:endParaRPr lang="en-GB"/>
           </a:p>
@@ -2145,7 +2145,7 @@
             <a:fld id="{CD2AE984-3368-4227-9815-B480C2FCBE17}" type="datetimeFigureOut">
               <a:rPr lang="en-US" smtClean="0"/>
               <a:pPr/>
-              <a:t>4/11/2018</a:t>
+              <a:t>4/13/2016</a:t>
             </a:fld>
             <a:endParaRPr lang="en-GB"/>
           </a:p>
@@ -2419,7 +2419,7 @@
             <a:fld id="{CD2AE984-3368-4227-9815-B480C2FCBE17}" type="datetimeFigureOut">
               <a:rPr lang="en-US" smtClean="0"/>
               <a:pPr/>
-              <a:t>4/11/2018</a:t>
+              <a:t>4/13/2016</a:t>
             </a:fld>
             <a:endParaRPr lang="en-GB"/>
           </a:p>
@@ -2669,7 +2669,7 @@
             <a:fld id="{CD2AE984-3368-4227-9815-B480C2FCBE17}" type="datetimeFigureOut">
               <a:rPr lang="en-US" smtClean="0"/>
               <a:pPr/>
-              <a:t>4/11/2018</a:t>
+              <a:t>4/13/2016</a:t>
             </a:fld>
             <a:endParaRPr lang="en-GB"/>
           </a:p>
@@ -2879,7 +2879,7 @@
             <a:fld id="{CD2AE984-3368-4227-9815-B480C2FCBE17}" type="datetimeFigureOut">
               <a:rPr lang="en-US" smtClean="0"/>
               <a:pPr/>
-              <a:t>4/11/2018</a:t>
+              <a:t>4/13/2016</a:t>
             </a:fld>
             <a:endParaRPr lang="en-GB"/>
           </a:p>
